--- a/共有用フォルダー/そばうどん仮.pptx
+++ b/共有用フォルダー/そばうどん仮.pptx
@@ -132,6 +132,9 @@
   <p:extLst>
     <p:ext uri="{EFAFB233-063F-42B5-8137-9DF3F51BA10A}">
       <p15:sldGuideLst xmlns:p15="http://schemas.microsoft.com/office/powerpoint/2012/main"/>
+    </p:ext>
+    <p:ext uri="{2D200454-40CA-4A62-9FC3-DE9A4176ACB9}">
+      <p15:notesGuideLst xmlns:p15="http://schemas.microsoft.com/office/powerpoint/2012/main"/>
     </p:ext>
   </p:extLst>
 </p:presentation>
@@ -15670,7 +15673,7 @@
         </p:nvSpPr>
         <p:spPr>
           <a:xfrm>
-            <a:off x="3594099" y="1380408"/>
+            <a:off x="3846762" y="1225268"/>
             <a:ext cx="4783781" cy="2968668"/>
           </a:xfrm>
           <a:prstGeom prst="cloudCallout">
@@ -15722,13 +15725,13 @@
         </p:nvSpPr>
         <p:spPr>
           <a:xfrm>
-            <a:off x="4976744" y="2117201"/>
+            <a:off x="5130277" y="1944666"/>
             <a:ext cx="4783781" cy="2968668"/>
           </a:xfrm>
           <a:prstGeom prst="cloudCallout">
             <a:avLst>
-              <a:gd name="adj1" fmla="val -63490"/>
-              <a:gd name="adj2" fmla="val 20859"/>
+              <a:gd name="adj1" fmla="val -67514"/>
+              <a:gd name="adj2" fmla="val 25317"/>
             </a:avLst>
           </a:prstGeom>
           <a:ln w="38100"/>
@@ -15786,13 +15789,13 @@
         </p:nvSpPr>
         <p:spPr>
           <a:xfrm>
-            <a:off x="5908638" y="2709602"/>
+            <a:off x="5856107" y="2963580"/>
             <a:ext cx="4783781" cy="2968668"/>
           </a:xfrm>
           <a:prstGeom prst="cloudCallout">
             <a:avLst>
-              <a:gd name="adj1" fmla="val -63490"/>
-              <a:gd name="adj2" fmla="val 20859"/>
+              <a:gd name="adj1" fmla="val -68017"/>
+              <a:gd name="adj2" fmla="val 7485"/>
             </a:avLst>
           </a:prstGeom>
           <a:ln w="38100"/>
@@ -16256,13 +16259,13 @@
   <p:clrMapOvr>
     <a:masterClrMapping/>
   </p:clrMapOvr>
-  <mc:AlternateContent xmlns:mc="http://schemas.openxmlformats.org/markup-compatibility/2006">
-    <mc:Choice xmlns:p14="http://schemas.microsoft.com/office/powerpoint/2010/main" Requires="p14">
+  <mc:AlternateContent xmlns:mc="http://schemas.openxmlformats.org/markup-compatibility/2006" xmlns:p14="http://schemas.microsoft.com/office/powerpoint/2010/main">
+    <mc:Choice Requires="p14">
       <p:transition spd="med" p14:dur="700">
         <p:fade/>
       </p:transition>
     </mc:Choice>
-    <mc:Fallback>
+    <mc:Fallback xmlns="">
       <p:transition spd="med">
         <p:fade/>
       </p:transition>
@@ -16944,13 +16947,13 @@
   <p:clrMapOvr>
     <a:masterClrMapping/>
   </p:clrMapOvr>
-  <mc:AlternateContent xmlns:mc="http://schemas.openxmlformats.org/markup-compatibility/2006">
-    <mc:Choice xmlns:p14="http://schemas.microsoft.com/office/powerpoint/2010/main" Requires="p14">
+  <mc:AlternateContent xmlns:mc="http://schemas.openxmlformats.org/markup-compatibility/2006" xmlns:p14="http://schemas.microsoft.com/office/powerpoint/2010/main">
+    <mc:Choice Requires="p14">
       <p:transition spd="med" p14:dur="700">
         <p:fade/>
       </p:transition>
     </mc:Choice>
-    <mc:Fallback>
+    <mc:Fallback xmlns="">
       <p:transition spd="med">
         <p:fade/>
       </p:transition>
